--- a/figures/filter_size_relative_change_annotated.pptx
+++ b/figures/filter_size_relative_change_annotated.pptx
@@ -4157,7 +4157,7 @@
                 <a:pPr algn="ctr"/>
                 <a:r>
                   <a:rPr lang="en-DE" sz="600" dirty="0"/>
-                  <a:t>Convolution 1 is</a:t>
+                  <a:t>Convolution 3 is</a:t>
                 </a:r>
               </a:p>
               <a:p>

--- a/figures/filter_size_relative_change_annotated.pptx
+++ b/figures/filter_size_relative_change_annotated.pptx
@@ -5,11 +5,12 @@
     <p:sldMasterId id="2147483660" r:id="rId1"/>
   </p:sldMasterIdLst>
   <p:notesMasterIdLst>
-    <p:notesMasterId r:id="rId4"/>
+    <p:notesMasterId r:id="rId5"/>
   </p:notesMasterIdLst>
   <p:sldIdLst>
     <p:sldId id="256" r:id="rId2"/>
-    <p:sldId id="258" r:id="rId3"/>
+    <p:sldId id="259" r:id="rId3"/>
+    <p:sldId id="258" r:id="rId4"/>
   </p:sldIdLst>
   <p:sldSz cx="12192000" cy="21618575"/>
   <p:notesSz cx="6858000" cy="9144000"/>
@@ -108,6 +109,11 @@
       </a:defRPr>
     </a:lvl9pPr>
   </p:defaultTextStyle>
+  <p:extLst>
+    <p:ext uri="{EFAFB233-063F-42B5-8137-9DF3F51BA10A}">
+      <p15:sldGuideLst xmlns:p15="http://schemas.microsoft.com/office/powerpoint/2012/main"/>
+    </p:ext>
+  </p:extLst>
 </p:presentation>
 </file>
 
@@ -193,7 +199,7 @@
           <a:p>
             <a:fld id="{D550598E-AB75-7145-8446-4969EFAF8456}" type="datetimeFigureOut">
               <a:rPr lang="en-DE" smtClean="0"/>
-              <a:t>07.04.23</a:t>
+              <a:t>08.07.23</a:t>
             </a:fld>
             <a:endParaRPr lang="en-DE"/>
           </a:p>
@@ -572,6 +578,90 @@
             <p:ph type="sldImg"/>
           </p:nvPr>
         </p:nvSpPr>
+        <p:spPr/>
+      </p:sp>
+      <p:sp>
+        <p:nvSpPr>
+          <p:cNvPr id="3" name="Notes Placeholder 2"/>
+          <p:cNvSpPr>
+            <a:spLocks noGrp="1"/>
+          </p:cNvSpPr>
+          <p:nvPr>
+            <p:ph type="body" idx="1"/>
+          </p:nvPr>
+        </p:nvSpPr>
+        <p:spPr/>
+        <p:txBody>
+          <a:bodyPr/>
+          <a:lstStyle/>
+          <a:p>
+            <a:endParaRPr lang="en-DE" dirty="0"/>
+          </a:p>
+        </p:txBody>
+      </p:sp>
+      <p:sp>
+        <p:nvSpPr>
+          <p:cNvPr id="4" name="Slide Number Placeholder 3"/>
+          <p:cNvSpPr>
+            <a:spLocks noGrp="1"/>
+          </p:cNvSpPr>
+          <p:nvPr>
+            <p:ph type="sldNum" sz="quarter" idx="5"/>
+          </p:nvPr>
+        </p:nvSpPr>
+        <p:spPr/>
+        <p:txBody>
+          <a:bodyPr/>
+          <a:lstStyle/>
+          <a:p>
+            <a:fld id="{091ADDEA-536F-7F43-A92C-282A3E0B8651}" type="slidenum">
+              <a:rPr lang="en-DE" smtClean="0"/>
+              <a:t>2</a:t>
+            </a:fld>
+            <a:endParaRPr lang="en-DE"/>
+          </a:p>
+        </p:txBody>
+      </p:sp>
+    </p:spTree>
+    <p:extLst>
+      <p:ext uri="{BB962C8B-B14F-4D97-AF65-F5344CB8AC3E}">
+        <p14:creationId xmlns:p14="http://schemas.microsoft.com/office/powerpoint/2010/main" val="2489490534"/>
+      </p:ext>
+    </p:extLst>
+  </p:cSld>
+  <p:clrMapOvr>
+    <a:masterClrMapping/>
+  </p:clrMapOvr>
+</p:notes>
+</file>
+
+<file path=ppt/notesSlides/notesSlide3.xml><?xml version="1.0" encoding="utf-8"?>
+<p:notes xmlns:a="http://schemas.openxmlformats.org/drawingml/2006/main" xmlns:r="http://schemas.openxmlformats.org/officeDocument/2006/relationships" xmlns:p="http://schemas.openxmlformats.org/presentationml/2006/main">
+  <p:cSld>
+    <p:spTree>
+      <p:nvGrpSpPr>
+        <p:cNvPr id="1" name=""/>
+        <p:cNvGrpSpPr/>
+        <p:nvPr/>
+      </p:nvGrpSpPr>
+      <p:grpSpPr>
+        <a:xfrm>
+          <a:off x="0" y="0"/>
+          <a:ext cx="0" cy="0"/>
+          <a:chOff x="0" y="0"/>
+          <a:chExt cx="0" cy="0"/>
+        </a:xfrm>
+      </p:grpSpPr>
+      <p:sp>
+        <p:nvSpPr>
+          <p:cNvPr id="2" name="Slide Image Placeholder 1"/>
+          <p:cNvSpPr>
+            <a:spLocks noGrp="1" noRot="1" noChangeAspect="1"/>
+          </p:cNvSpPr>
+          <p:nvPr>
+            <p:ph type="sldImg"/>
+          </p:nvPr>
+        </p:nvSpPr>
         <p:spPr>
           <a:xfrm>
             <a:off x="2559050" y="1143000"/>
@@ -615,7 +705,7 @@
           <a:p>
             <a:fld id="{091ADDEA-536F-7F43-A92C-282A3E0B8651}" type="slidenum">
               <a:rPr lang="en-DE" smtClean="0"/>
-              <a:t>2</a:t>
+              <a:t>3</a:t>
             </a:fld>
             <a:endParaRPr lang="en-DE"/>
           </a:p>
@@ -765,7 +855,7 @@
           <a:p>
             <a:fld id="{E622FFF5-2C0C-464F-B033-356BA68A0837}" type="datetimeFigureOut">
               <a:rPr lang="en-DE" smtClean="0"/>
-              <a:t>07.04.23</a:t>
+              <a:t>08.07.23</a:t>
             </a:fld>
             <a:endParaRPr lang="en-DE"/>
           </a:p>
@@ -935,7 +1025,7 @@
           <a:p>
             <a:fld id="{E622FFF5-2C0C-464F-B033-356BA68A0837}" type="datetimeFigureOut">
               <a:rPr lang="en-DE" smtClean="0"/>
-              <a:t>07.04.23</a:t>
+              <a:t>08.07.23</a:t>
             </a:fld>
             <a:endParaRPr lang="en-DE"/>
           </a:p>
@@ -1115,7 +1205,7 @@
           <a:p>
             <a:fld id="{E622FFF5-2C0C-464F-B033-356BA68A0837}" type="datetimeFigureOut">
               <a:rPr lang="en-DE" smtClean="0"/>
-              <a:t>07.04.23</a:t>
+              <a:t>08.07.23</a:t>
             </a:fld>
             <a:endParaRPr lang="en-DE"/>
           </a:p>
@@ -1285,7 +1375,7 @@
           <a:p>
             <a:fld id="{E622FFF5-2C0C-464F-B033-356BA68A0837}" type="datetimeFigureOut">
               <a:rPr lang="en-DE" smtClean="0"/>
-              <a:t>07.04.23</a:t>
+              <a:t>08.07.23</a:t>
             </a:fld>
             <a:endParaRPr lang="en-DE"/>
           </a:p>
@@ -1529,7 +1619,7 @@
           <a:p>
             <a:fld id="{E622FFF5-2C0C-464F-B033-356BA68A0837}" type="datetimeFigureOut">
               <a:rPr lang="en-DE" smtClean="0"/>
-              <a:t>07.04.23</a:t>
+              <a:t>08.07.23</a:t>
             </a:fld>
             <a:endParaRPr lang="en-DE"/>
           </a:p>
@@ -1761,7 +1851,7 @@
           <a:p>
             <a:fld id="{E622FFF5-2C0C-464F-B033-356BA68A0837}" type="datetimeFigureOut">
               <a:rPr lang="en-DE" smtClean="0"/>
-              <a:t>07.04.23</a:t>
+              <a:t>08.07.23</a:t>
             </a:fld>
             <a:endParaRPr lang="en-DE"/>
           </a:p>
@@ -2128,7 +2218,7 @@
           <a:p>
             <a:fld id="{E622FFF5-2C0C-464F-B033-356BA68A0837}" type="datetimeFigureOut">
               <a:rPr lang="en-DE" smtClean="0"/>
-              <a:t>07.04.23</a:t>
+              <a:t>08.07.23</a:t>
             </a:fld>
             <a:endParaRPr lang="en-DE"/>
           </a:p>
@@ -2246,7 +2336,7 @@
           <a:p>
             <a:fld id="{E622FFF5-2C0C-464F-B033-356BA68A0837}" type="datetimeFigureOut">
               <a:rPr lang="en-DE" smtClean="0"/>
-              <a:t>07.04.23</a:t>
+              <a:t>08.07.23</a:t>
             </a:fld>
             <a:endParaRPr lang="en-DE"/>
           </a:p>
@@ -2341,7 +2431,7 @@
           <a:p>
             <a:fld id="{E622FFF5-2C0C-464F-B033-356BA68A0837}" type="datetimeFigureOut">
               <a:rPr lang="en-DE" smtClean="0"/>
-              <a:t>07.04.23</a:t>
+              <a:t>08.07.23</a:t>
             </a:fld>
             <a:endParaRPr lang="en-DE"/>
           </a:p>
@@ -2618,7 +2708,7 @@
           <a:p>
             <a:fld id="{E622FFF5-2C0C-464F-B033-356BA68A0837}" type="datetimeFigureOut">
               <a:rPr lang="en-DE" smtClean="0"/>
-              <a:t>07.04.23</a:t>
+              <a:t>08.07.23</a:t>
             </a:fld>
             <a:endParaRPr lang="en-DE"/>
           </a:p>
@@ -2875,7 +2965,7 @@
           <a:p>
             <a:fld id="{E622FFF5-2C0C-464F-B033-356BA68A0837}" type="datetimeFigureOut">
               <a:rPr lang="en-DE" smtClean="0"/>
-              <a:t>07.04.23</a:t>
+              <a:t>08.07.23</a:t>
             </a:fld>
             <a:endParaRPr lang="en-DE"/>
           </a:p>
@@ -3088,7 +3178,7 @@
           <a:p>
             <a:fld id="{E622FFF5-2C0C-464F-B033-356BA68A0837}" type="datetimeFigureOut">
               <a:rPr lang="en-DE" smtClean="0"/>
-              <a:t>07.04.23</a:t>
+              <a:t>08.07.23</a:t>
             </a:fld>
             <a:endParaRPr lang="en-DE"/>
           </a:p>
@@ -4452,6 +4542,41 @@
           </p:pic>
         </p:grpSp>
       </p:grpSp>
+      <p:sp>
+        <p:nvSpPr>
+          <p:cNvPr id="2" name="TextBox 1">
+            <a:extLst>
+              <a:ext uri="{FF2B5EF4-FFF2-40B4-BE49-F238E27FC236}">
+                <a16:creationId xmlns:a16="http://schemas.microsoft.com/office/drawing/2014/main" id="{51197574-4632-3D94-C2E3-754F6AED0DE4}"/>
+              </a:ext>
+            </a:extLst>
+          </p:cNvPr>
+          <p:cNvSpPr txBox="1"/>
+          <p:nvPr/>
+        </p:nvSpPr>
+        <p:spPr>
+          <a:xfrm>
+            <a:off x="1423555" y="4364182"/>
+            <a:ext cx="1143262" cy="769441"/>
+          </a:xfrm>
+          <a:prstGeom prst="rect">
+            <a:avLst/>
+          </a:prstGeom>
+          <a:noFill/>
+        </p:spPr>
+        <p:txBody>
+          <a:bodyPr wrap="none" rtlCol="0">
+            <a:spAutoFit/>
+          </a:bodyPr>
+          <a:lstStyle/>
+          <a:p>
+            <a:r>
+              <a:rPr lang="en-DE" sz="4400" dirty="0"/>
+              <a:t>OLD</a:t>
+            </a:r>
+          </a:p>
+        </p:txBody>
+      </p:sp>
     </p:spTree>
     <p:extLst>
       <p:ext uri="{BB962C8B-B14F-4D97-AF65-F5344CB8AC3E}">
@@ -4466,6 +4591,1030 @@
 </file>
 
 <file path=ppt/slides/slide2.xml><?xml version="1.0" encoding="utf-8"?>
+<p:sld xmlns:a="http://schemas.openxmlformats.org/drawingml/2006/main" xmlns:r="http://schemas.openxmlformats.org/officeDocument/2006/relationships" xmlns:p="http://schemas.openxmlformats.org/presentationml/2006/main">
+  <p:cSld>
+    <p:spTree>
+      <p:nvGrpSpPr>
+        <p:cNvPr id="1" name=""/>
+        <p:cNvGrpSpPr/>
+        <p:nvPr/>
+      </p:nvGrpSpPr>
+      <p:grpSpPr>
+        <a:xfrm>
+          <a:off x="0" y="0"/>
+          <a:ext cx="0" cy="0"/>
+          <a:chOff x="0" y="0"/>
+          <a:chExt cx="0" cy="0"/>
+        </a:xfrm>
+      </p:grpSpPr>
+      <p:pic>
+        <p:nvPicPr>
+          <p:cNvPr id="7" name="Graphic 6">
+            <a:extLst>
+              <a:ext uri="{FF2B5EF4-FFF2-40B4-BE49-F238E27FC236}">
+                <a16:creationId xmlns:a16="http://schemas.microsoft.com/office/drawing/2014/main" id="{C0CA4FDF-F5A9-D900-B6E0-C7BE3D2D27EC}"/>
+              </a:ext>
+            </a:extLst>
+          </p:cNvPr>
+          <p:cNvPicPr>
+            <a:picLocks noChangeAspect="1"/>
+          </p:cNvPicPr>
+          <p:nvPr/>
+        </p:nvPicPr>
+        <p:blipFill>
+          <a:blip r:embed="rId3">
+            <a:extLst>
+              <a:ext uri="{96DAC541-7B7A-43D3-8B79-37D633B846F1}">
+                <asvg:svgBlip xmlns:asvg="http://schemas.microsoft.com/office/drawing/2016/SVG/main" r:embed="rId4"/>
+              </a:ext>
+            </a:extLst>
+          </a:blip>
+          <a:stretch>
+            <a:fillRect/>
+          </a:stretch>
+        </p:blipFill>
+        <p:spPr>
+          <a:xfrm>
+            <a:off x="2635739" y="6946547"/>
+            <a:ext cx="8907707" cy="5090118"/>
+          </a:xfrm>
+          <a:prstGeom prst="rect">
+            <a:avLst/>
+          </a:prstGeom>
+        </p:spPr>
+      </p:pic>
+      <p:pic>
+        <p:nvPicPr>
+          <p:cNvPr id="39" name="Picture 38">
+            <a:extLst>
+              <a:ext uri="{FF2B5EF4-FFF2-40B4-BE49-F238E27FC236}">
+                <a16:creationId xmlns:a16="http://schemas.microsoft.com/office/drawing/2014/main" id="{7F61BE03-140D-20DA-608D-8EBF0636E6A8}"/>
+              </a:ext>
+            </a:extLst>
+          </p:cNvPr>
+          <p:cNvPicPr>
+            <a:picLocks noChangeAspect="1"/>
+          </p:cNvPicPr>
+          <p:nvPr/>
+        </p:nvPicPr>
+        <p:blipFill>
+          <a:blip r:embed="rId5"/>
+          <a:stretch>
+            <a:fillRect/>
+          </a:stretch>
+        </p:blipFill>
+        <p:spPr>
+          <a:xfrm>
+            <a:off x="1971563" y="7262966"/>
+            <a:ext cx="665018" cy="341745"/>
+          </a:xfrm>
+          <a:prstGeom prst="rect">
+            <a:avLst/>
+          </a:prstGeom>
+        </p:spPr>
+      </p:pic>
+      <p:pic>
+        <p:nvPicPr>
+          <p:cNvPr id="41" name="Picture 40">
+            <a:extLst>
+              <a:ext uri="{FF2B5EF4-FFF2-40B4-BE49-F238E27FC236}">
+                <a16:creationId xmlns:a16="http://schemas.microsoft.com/office/drawing/2014/main" id="{A59206C8-93F5-7171-693B-565245980381}"/>
+              </a:ext>
+            </a:extLst>
+          </p:cNvPr>
+          <p:cNvPicPr>
+            <a:picLocks noChangeAspect="1"/>
+          </p:cNvPicPr>
+          <p:nvPr/>
+        </p:nvPicPr>
+        <p:blipFill>
+          <a:blip r:embed="rId6"/>
+          <a:stretch>
+            <a:fillRect/>
+          </a:stretch>
+        </p:blipFill>
+        <p:spPr>
+          <a:xfrm>
+            <a:off x="1971563" y="8305620"/>
+            <a:ext cx="665018" cy="708121"/>
+          </a:xfrm>
+          <a:prstGeom prst="rect">
+            <a:avLst/>
+          </a:prstGeom>
+        </p:spPr>
+      </p:pic>
+      <p:pic>
+        <p:nvPicPr>
+          <p:cNvPr id="43" name="Picture 42">
+            <a:extLst>
+              <a:ext uri="{FF2B5EF4-FFF2-40B4-BE49-F238E27FC236}">
+                <a16:creationId xmlns:a16="http://schemas.microsoft.com/office/drawing/2014/main" id="{67709B90-22C4-A735-E67F-EB1B455F9E1A}"/>
+              </a:ext>
+            </a:extLst>
+          </p:cNvPr>
+          <p:cNvPicPr>
+            <a:picLocks noChangeAspect="1"/>
+          </p:cNvPicPr>
+          <p:nvPr/>
+        </p:nvPicPr>
+        <p:blipFill>
+          <a:blip r:embed="rId7"/>
+          <a:stretch>
+            <a:fillRect/>
+          </a:stretch>
+        </p:blipFill>
+        <p:spPr>
+          <a:xfrm>
+            <a:off x="1971563" y="9543773"/>
+            <a:ext cx="665018" cy="705042"/>
+          </a:xfrm>
+          <a:prstGeom prst="rect">
+            <a:avLst/>
+          </a:prstGeom>
+        </p:spPr>
+      </p:pic>
+      <p:pic>
+        <p:nvPicPr>
+          <p:cNvPr id="45" name="Picture 44">
+            <a:extLst>
+              <a:ext uri="{FF2B5EF4-FFF2-40B4-BE49-F238E27FC236}">
+                <a16:creationId xmlns:a16="http://schemas.microsoft.com/office/drawing/2014/main" id="{AC3F75D4-6F3F-3CF5-AF82-45459639BCF0}"/>
+              </a:ext>
+            </a:extLst>
+          </p:cNvPr>
+          <p:cNvPicPr>
+            <a:picLocks noChangeAspect="1"/>
+          </p:cNvPicPr>
+          <p:nvPr/>
+        </p:nvPicPr>
+        <p:blipFill>
+          <a:blip r:embed="rId8"/>
+          <a:stretch>
+            <a:fillRect/>
+          </a:stretch>
+        </p:blipFill>
+        <p:spPr>
+          <a:xfrm>
+            <a:off x="1930000" y="10758386"/>
+            <a:ext cx="665018" cy="708121"/>
+          </a:xfrm>
+          <a:prstGeom prst="rect">
+            <a:avLst/>
+          </a:prstGeom>
+        </p:spPr>
+      </p:pic>
+      <p:pic>
+        <p:nvPicPr>
+          <p:cNvPr id="49" name="Picture 48">
+            <a:extLst>
+              <a:ext uri="{FF2B5EF4-FFF2-40B4-BE49-F238E27FC236}">
+                <a16:creationId xmlns:a16="http://schemas.microsoft.com/office/drawing/2014/main" id="{AA71DFC2-695F-BA1F-1A81-E87F282A0814}"/>
+              </a:ext>
+            </a:extLst>
+          </p:cNvPr>
+          <p:cNvPicPr>
+            <a:picLocks noChangeAspect="1"/>
+          </p:cNvPicPr>
+          <p:nvPr/>
+        </p:nvPicPr>
+        <p:blipFill>
+          <a:blip r:embed="rId9"/>
+          <a:stretch>
+            <a:fillRect/>
+          </a:stretch>
+        </p:blipFill>
+        <p:spPr>
+          <a:xfrm>
+            <a:off x="6575597" y="6431245"/>
+            <a:ext cx="665018" cy="397164"/>
+          </a:xfrm>
+          <a:prstGeom prst="rect">
+            <a:avLst/>
+          </a:prstGeom>
+        </p:spPr>
+      </p:pic>
+      <p:cxnSp>
+        <p:nvCxnSpPr>
+          <p:cNvPr id="51" name="Straight Connector 50">
+            <a:extLst>
+              <a:ext uri="{FF2B5EF4-FFF2-40B4-BE49-F238E27FC236}">
+                <a16:creationId xmlns:a16="http://schemas.microsoft.com/office/drawing/2014/main" id="{B6568B4A-C1B6-B996-F22C-973C159740AD}"/>
+              </a:ext>
+            </a:extLst>
+          </p:cNvPr>
+          <p:cNvCxnSpPr>
+            <a:cxnSpLocks/>
+          </p:cNvCxnSpPr>
+          <p:nvPr/>
+        </p:nvCxnSpPr>
+        <p:spPr>
+          <a:xfrm flipV="1">
+            <a:off x="5847344" y="6328611"/>
+            <a:ext cx="0" cy="558263"/>
+          </a:xfrm>
+          <a:prstGeom prst="line">
+            <a:avLst/>
+          </a:prstGeom>
+          <a:ln w="19050">
+            <a:prstDash val="sysDot"/>
+          </a:ln>
+        </p:spPr>
+        <p:style>
+          <a:lnRef idx="1">
+            <a:schemeClr val="dk1"/>
+          </a:lnRef>
+          <a:fillRef idx="0">
+            <a:schemeClr val="dk1"/>
+          </a:fillRef>
+          <a:effectRef idx="0">
+            <a:schemeClr val="dk1"/>
+          </a:effectRef>
+          <a:fontRef idx="minor">
+            <a:schemeClr val="tx1"/>
+          </a:fontRef>
+        </p:style>
+      </p:cxnSp>
+      <p:cxnSp>
+        <p:nvCxnSpPr>
+          <p:cNvPr id="53" name="Straight Connector 52">
+            <a:extLst>
+              <a:ext uri="{FF2B5EF4-FFF2-40B4-BE49-F238E27FC236}">
+                <a16:creationId xmlns:a16="http://schemas.microsoft.com/office/drawing/2014/main" id="{BCB5CCDB-21EA-1E7A-A530-96A3821D2A48}"/>
+              </a:ext>
+            </a:extLst>
+          </p:cNvPr>
+          <p:cNvCxnSpPr>
+            <a:cxnSpLocks/>
+          </p:cNvCxnSpPr>
+          <p:nvPr/>
+        </p:nvCxnSpPr>
+        <p:spPr>
+          <a:xfrm flipV="1">
+            <a:off x="8681584" y="6320002"/>
+            <a:ext cx="0" cy="558263"/>
+          </a:xfrm>
+          <a:prstGeom prst="line">
+            <a:avLst/>
+          </a:prstGeom>
+          <a:ln w="19050">
+            <a:prstDash val="sysDot"/>
+          </a:ln>
+        </p:spPr>
+        <p:style>
+          <a:lnRef idx="1">
+            <a:schemeClr val="dk1"/>
+          </a:lnRef>
+          <a:fillRef idx="0">
+            <a:schemeClr val="dk1"/>
+          </a:fillRef>
+          <a:effectRef idx="0">
+            <a:schemeClr val="dk1"/>
+          </a:effectRef>
+          <a:fontRef idx="minor">
+            <a:schemeClr val="tx1"/>
+          </a:fontRef>
+        </p:style>
+      </p:cxnSp>
+      <p:cxnSp>
+        <p:nvCxnSpPr>
+          <p:cNvPr id="55" name="Straight Connector 54">
+            <a:extLst>
+              <a:ext uri="{FF2B5EF4-FFF2-40B4-BE49-F238E27FC236}">
+                <a16:creationId xmlns:a16="http://schemas.microsoft.com/office/drawing/2014/main" id="{C271BA29-2E4C-9274-7A14-EE59EC10FB24}"/>
+              </a:ext>
+            </a:extLst>
+          </p:cNvPr>
+          <p:cNvCxnSpPr>
+            <a:cxnSpLocks/>
+          </p:cNvCxnSpPr>
+          <p:nvPr/>
+        </p:nvCxnSpPr>
+        <p:spPr>
+          <a:xfrm flipH="1">
+            <a:off x="1930000" y="8174867"/>
+            <a:ext cx="950437" cy="0"/>
+          </a:xfrm>
+          <a:prstGeom prst="line">
+            <a:avLst/>
+          </a:prstGeom>
+          <a:ln w="19050">
+            <a:prstDash val="sysDot"/>
+          </a:ln>
+        </p:spPr>
+        <p:style>
+          <a:lnRef idx="1">
+            <a:schemeClr val="dk1"/>
+          </a:lnRef>
+          <a:fillRef idx="0">
+            <a:schemeClr val="dk1"/>
+          </a:fillRef>
+          <a:effectRef idx="0">
+            <a:schemeClr val="dk1"/>
+          </a:effectRef>
+          <a:fontRef idx="minor">
+            <a:schemeClr val="tx1"/>
+          </a:fontRef>
+        </p:style>
+      </p:cxnSp>
+      <p:cxnSp>
+        <p:nvCxnSpPr>
+          <p:cNvPr id="57" name="Straight Connector 56">
+            <a:extLst>
+              <a:ext uri="{FF2B5EF4-FFF2-40B4-BE49-F238E27FC236}">
+                <a16:creationId xmlns:a16="http://schemas.microsoft.com/office/drawing/2014/main" id="{1E094B1C-7808-637D-5BEE-BB95D1A197FB}"/>
+              </a:ext>
+            </a:extLst>
+          </p:cNvPr>
+          <p:cNvCxnSpPr>
+            <a:cxnSpLocks/>
+          </p:cNvCxnSpPr>
+          <p:nvPr/>
+        </p:nvCxnSpPr>
+        <p:spPr>
+          <a:xfrm flipH="1">
+            <a:off x="1930000" y="9409942"/>
+            <a:ext cx="950437" cy="0"/>
+          </a:xfrm>
+          <a:prstGeom prst="line">
+            <a:avLst/>
+          </a:prstGeom>
+          <a:ln w="19050">
+            <a:prstDash val="sysDot"/>
+          </a:ln>
+        </p:spPr>
+        <p:style>
+          <a:lnRef idx="1">
+            <a:schemeClr val="dk1"/>
+          </a:lnRef>
+          <a:fillRef idx="0">
+            <a:schemeClr val="dk1"/>
+          </a:fillRef>
+          <a:effectRef idx="0">
+            <a:schemeClr val="dk1"/>
+          </a:effectRef>
+          <a:fontRef idx="minor">
+            <a:schemeClr val="tx1"/>
+          </a:fontRef>
+        </p:style>
+      </p:cxnSp>
+      <p:cxnSp>
+        <p:nvCxnSpPr>
+          <p:cNvPr id="58" name="Straight Connector 57">
+            <a:extLst>
+              <a:ext uri="{FF2B5EF4-FFF2-40B4-BE49-F238E27FC236}">
+                <a16:creationId xmlns:a16="http://schemas.microsoft.com/office/drawing/2014/main" id="{2BE0228A-4B51-3F88-5064-C6FE02A9744D}"/>
+              </a:ext>
+            </a:extLst>
+          </p:cNvPr>
+          <p:cNvCxnSpPr>
+            <a:cxnSpLocks/>
+          </p:cNvCxnSpPr>
+          <p:nvPr/>
+        </p:nvCxnSpPr>
+        <p:spPr>
+          <a:xfrm flipH="1">
+            <a:off x="1930000" y="10625967"/>
+            <a:ext cx="950437" cy="0"/>
+          </a:xfrm>
+          <a:prstGeom prst="line">
+            <a:avLst/>
+          </a:prstGeom>
+          <a:ln w="19050">
+            <a:prstDash val="sysDot"/>
+          </a:ln>
+        </p:spPr>
+        <p:style>
+          <a:lnRef idx="1">
+            <a:schemeClr val="dk1"/>
+          </a:lnRef>
+          <a:fillRef idx="0">
+            <a:schemeClr val="dk1"/>
+          </a:fillRef>
+          <a:effectRef idx="0">
+            <a:schemeClr val="dk1"/>
+          </a:effectRef>
+          <a:fontRef idx="minor">
+            <a:schemeClr val="tx1"/>
+          </a:fontRef>
+        </p:style>
+      </p:cxnSp>
+      <p:sp>
+        <p:nvSpPr>
+          <p:cNvPr id="59" name="TextBox 58">
+            <a:extLst>
+              <a:ext uri="{FF2B5EF4-FFF2-40B4-BE49-F238E27FC236}">
+                <a16:creationId xmlns:a16="http://schemas.microsoft.com/office/drawing/2014/main" id="{1CB2F15A-292C-151A-DD3F-24901541541E}"/>
+              </a:ext>
+            </a:extLst>
+          </p:cNvPr>
+          <p:cNvSpPr txBox="1"/>
+          <p:nvPr/>
+        </p:nvSpPr>
+        <p:spPr>
+          <a:xfrm>
+            <a:off x="1964934" y="7649756"/>
+            <a:ext cx="636714" cy="276999"/>
+          </a:xfrm>
+          <a:prstGeom prst="rect">
+            <a:avLst/>
+          </a:prstGeom>
+          <a:noFill/>
+        </p:spPr>
+        <p:txBody>
+          <a:bodyPr wrap="none" rtlCol="0">
+            <a:spAutoFit/>
+          </a:bodyPr>
+          <a:lstStyle/>
+          <a:p>
+            <a:pPr algn="ctr"/>
+            <a:r>
+              <a:rPr lang="en-DE" sz="600" dirty="0"/>
+              <a:t>All layers have</a:t>
+            </a:r>
+          </a:p>
+          <a:p>
+            <a:pPr algn="ctr"/>
+            <a:r>
+              <a:rPr lang="en-DE" sz="600" dirty="0"/>
+              <a:t>Filtersize 3x3.</a:t>
+            </a:r>
+          </a:p>
+        </p:txBody>
+      </p:sp>
+      <p:sp>
+        <p:nvSpPr>
+          <p:cNvPr id="60" name="TextBox 59">
+            <a:extLst>
+              <a:ext uri="{FF2B5EF4-FFF2-40B4-BE49-F238E27FC236}">
+                <a16:creationId xmlns:a16="http://schemas.microsoft.com/office/drawing/2014/main" id="{FA703602-D36A-406F-3EE0-BA71C6C26C55}"/>
+              </a:ext>
+            </a:extLst>
+          </p:cNvPr>
+          <p:cNvSpPr txBox="1"/>
+          <p:nvPr/>
+        </p:nvSpPr>
+        <p:spPr>
+          <a:xfrm>
+            <a:off x="1890454" y="9013741"/>
+            <a:ext cx="744114" cy="276999"/>
+          </a:xfrm>
+          <a:prstGeom prst="rect">
+            <a:avLst/>
+          </a:prstGeom>
+          <a:noFill/>
+        </p:spPr>
+        <p:txBody>
+          <a:bodyPr wrap="none" rtlCol="0">
+            <a:spAutoFit/>
+          </a:bodyPr>
+          <a:lstStyle/>
+          <a:p>
+            <a:pPr algn="ctr"/>
+            <a:r>
+              <a:rPr lang="en-DE" sz="600" dirty="0"/>
+              <a:t>Convolution 1 has</a:t>
+            </a:r>
+          </a:p>
+          <a:p>
+            <a:pPr algn="ctr"/>
+            <a:r>
+              <a:rPr lang="en-DE" sz="600" dirty="0"/>
+              <a:t>Filtersize 11x11.</a:t>
+            </a:r>
+          </a:p>
+        </p:txBody>
+      </p:sp>
+      <p:sp>
+        <p:nvSpPr>
+          <p:cNvPr id="61" name="TextBox 60">
+            <a:extLst>
+              <a:ext uri="{FF2B5EF4-FFF2-40B4-BE49-F238E27FC236}">
+                <a16:creationId xmlns:a16="http://schemas.microsoft.com/office/drawing/2014/main" id="{9C5B51CD-DC6F-6D6A-BA4C-14852879CEDB}"/>
+              </a:ext>
+            </a:extLst>
+          </p:cNvPr>
+          <p:cNvSpPr txBox="1"/>
+          <p:nvPr/>
+        </p:nvSpPr>
+        <p:spPr>
+          <a:xfrm>
+            <a:off x="1911234" y="10246619"/>
+            <a:ext cx="744114" cy="276999"/>
+          </a:xfrm>
+          <a:prstGeom prst="rect">
+            <a:avLst/>
+          </a:prstGeom>
+          <a:noFill/>
+        </p:spPr>
+        <p:txBody>
+          <a:bodyPr wrap="none" rtlCol="0">
+            <a:spAutoFit/>
+          </a:bodyPr>
+          <a:lstStyle/>
+          <a:p>
+            <a:pPr algn="ctr"/>
+            <a:r>
+              <a:rPr lang="en-DE" sz="600" dirty="0"/>
+              <a:t>Convolution 2 has</a:t>
+            </a:r>
+          </a:p>
+          <a:p>
+            <a:pPr algn="ctr"/>
+            <a:r>
+              <a:rPr lang="en-DE" sz="600" dirty="0"/>
+              <a:t>Filtersize 11x11.</a:t>
+            </a:r>
+          </a:p>
+        </p:txBody>
+      </p:sp>
+      <p:sp>
+        <p:nvSpPr>
+          <p:cNvPr id="62" name="TextBox 61">
+            <a:extLst>
+              <a:ext uri="{FF2B5EF4-FFF2-40B4-BE49-F238E27FC236}">
+                <a16:creationId xmlns:a16="http://schemas.microsoft.com/office/drawing/2014/main" id="{3BC0AEE2-3EA5-C03F-8A7D-3355C608CD0F}"/>
+              </a:ext>
+            </a:extLst>
+          </p:cNvPr>
+          <p:cNvSpPr txBox="1"/>
+          <p:nvPr/>
+        </p:nvSpPr>
+        <p:spPr>
+          <a:xfrm>
+            <a:off x="1930000" y="11444113"/>
+            <a:ext cx="744114" cy="276999"/>
+          </a:xfrm>
+          <a:prstGeom prst="rect">
+            <a:avLst/>
+          </a:prstGeom>
+          <a:noFill/>
+        </p:spPr>
+        <p:txBody>
+          <a:bodyPr wrap="none" rtlCol="0">
+            <a:spAutoFit/>
+          </a:bodyPr>
+          <a:lstStyle/>
+          <a:p>
+            <a:pPr algn="ctr"/>
+            <a:r>
+              <a:rPr lang="en-DE" sz="600" dirty="0"/>
+              <a:t>Convolution 3 has</a:t>
+            </a:r>
+          </a:p>
+          <a:p>
+            <a:pPr algn="ctr"/>
+            <a:r>
+              <a:rPr lang="en-DE" sz="600" dirty="0"/>
+              <a:t>Filtersize 11x11.</a:t>
+            </a:r>
+          </a:p>
+        </p:txBody>
+      </p:sp>
+      <p:grpSp>
+        <p:nvGrpSpPr>
+          <p:cNvPr id="78" name="Group 77">
+            <a:extLst>
+              <a:ext uri="{FF2B5EF4-FFF2-40B4-BE49-F238E27FC236}">
+                <a16:creationId xmlns:a16="http://schemas.microsoft.com/office/drawing/2014/main" id="{15489901-955E-3C50-10D9-F09AECA2BB97}"/>
+              </a:ext>
+            </a:extLst>
+          </p:cNvPr>
+          <p:cNvGrpSpPr/>
+          <p:nvPr/>
+        </p:nvGrpSpPr>
+        <p:grpSpPr>
+          <a:xfrm>
+            <a:off x="9426337" y="6409160"/>
+            <a:ext cx="1513256" cy="397164"/>
+            <a:chOff x="9723923" y="6409160"/>
+            <a:chExt cx="1513256" cy="397164"/>
+          </a:xfrm>
+        </p:grpSpPr>
+        <p:pic>
+          <p:nvPicPr>
+            <p:cNvPr id="37" name="Picture 36">
+              <a:extLst>
+                <a:ext uri="{FF2B5EF4-FFF2-40B4-BE49-F238E27FC236}">
+                  <a16:creationId xmlns:a16="http://schemas.microsoft.com/office/drawing/2014/main" id="{E109DD92-96A1-E9CA-0D92-C082B5CE9627}"/>
+                </a:ext>
+              </a:extLst>
+            </p:cNvPr>
+            <p:cNvPicPr>
+              <a:picLocks noChangeAspect="1"/>
+            </p:cNvPicPr>
+            <p:nvPr/>
+          </p:nvPicPr>
+          <p:blipFill>
+            <a:blip r:embed="rId10"/>
+            <a:stretch>
+              <a:fillRect/>
+            </a:stretch>
+          </p:blipFill>
+          <p:spPr>
+            <a:xfrm rot="60000">
+              <a:off x="9723923" y="6409160"/>
+              <a:ext cx="665018" cy="397164"/>
+            </a:xfrm>
+            <a:prstGeom prst="rect">
+              <a:avLst/>
+            </a:prstGeom>
+          </p:spPr>
+        </p:pic>
+        <p:grpSp>
+          <p:nvGrpSpPr>
+            <p:cNvPr id="68" name="Group 67">
+              <a:extLst>
+                <a:ext uri="{FF2B5EF4-FFF2-40B4-BE49-F238E27FC236}">
+                  <a16:creationId xmlns:a16="http://schemas.microsoft.com/office/drawing/2014/main" id="{9AF9C033-5169-9B6B-2558-07F471728EE0}"/>
+                </a:ext>
+              </a:extLst>
+            </p:cNvPr>
+            <p:cNvGrpSpPr/>
+            <p:nvPr/>
+          </p:nvGrpSpPr>
+          <p:grpSpPr>
+            <a:xfrm>
+              <a:off x="10449783" y="6470964"/>
+              <a:ext cx="787396" cy="276999"/>
+              <a:chOff x="4421106" y="6489695"/>
+              <a:chExt cx="787396" cy="276999"/>
+            </a:xfrm>
+          </p:grpSpPr>
+          <p:sp>
+            <p:nvSpPr>
+              <p:cNvPr id="63" name="TextBox 62">
+                <a:extLst>
+                  <a:ext uri="{FF2B5EF4-FFF2-40B4-BE49-F238E27FC236}">
+                    <a16:creationId xmlns:a16="http://schemas.microsoft.com/office/drawing/2014/main" id="{BAD64F02-4FB3-4EEA-F4AD-427ABA73D18D}"/>
+                  </a:ext>
+                </a:extLst>
+              </p:cNvPr>
+              <p:cNvSpPr txBox="1"/>
+              <p:nvPr/>
+            </p:nvSpPr>
+            <p:spPr>
+              <a:xfrm>
+                <a:off x="4421106" y="6489695"/>
+                <a:ext cx="787396" cy="276999"/>
+              </a:xfrm>
+              <a:prstGeom prst="rect">
+                <a:avLst/>
+              </a:prstGeom>
+              <a:noFill/>
+            </p:spPr>
+            <p:txBody>
+              <a:bodyPr wrap="none" rtlCol="0">
+                <a:spAutoFit/>
+              </a:bodyPr>
+              <a:lstStyle/>
+              <a:p>
+                <a:pPr algn="ctr"/>
+                <a:r>
+                  <a:rPr lang="en-DE" sz="600" dirty="0"/>
+                  <a:t>Convolution 3 is</a:t>
+                </a:r>
+              </a:p>
+              <a:p>
+                <a:pPr algn="ctr"/>
+                <a:r>
+                  <a:rPr lang="en-GB" sz="600" dirty="0"/>
+                  <a:t>E</a:t>
+                </a:r>
+                <a:r>
+                  <a:rPr lang="en-DE" sz="600" dirty="0"/>
+                  <a:t>xplained by LRP-   </a:t>
+                </a:r>
+              </a:p>
+            </p:txBody>
+          </p:sp>
+          <p:pic>
+            <p:nvPicPr>
+              <p:cNvPr id="67" name="Picture 66">
+                <a:extLst>
+                  <a:ext uri="{FF2B5EF4-FFF2-40B4-BE49-F238E27FC236}">
+                    <a16:creationId xmlns:a16="http://schemas.microsoft.com/office/drawing/2014/main" id="{D227679B-8F89-9B76-23CA-FFCB82CE2004}"/>
+                  </a:ext>
+                </a:extLst>
+              </p:cNvPr>
+              <p:cNvPicPr>
+                <a:picLocks noChangeAspect="1"/>
+              </p:cNvPicPr>
+              <p:nvPr/>
+            </p:nvPicPr>
+            <p:blipFill>
+              <a:blip r:embed="rId11"/>
+              <a:stretch>
+                <a:fillRect/>
+              </a:stretch>
+            </p:blipFill>
+            <p:spPr>
+              <a:xfrm>
+                <a:off x="5052284" y="6646456"/>
+                <a:ext cx="45719" cy="70971"/>
+              </a:xfrm>
+              <a:prstGeom prst="rect">
+                <a:avLst/>
+              </a:prstGeom>
+            </p:spPr>
+          </p:pic>
+        </p:grpSp>
+      </p:grpSp>
+      <p:grpSp>
+        <p:nvGrpSpPr>
+          <p:cNvPr id="72" name="Group 71">
+            <a:extLst>
+              <a:ext uri="{FF2B5EF4-FFF2-40B4-BE49-F238E27FC236}">
+                <a16:creationId xmlns:a16="http://schemas.microsoft.com/office/drawing/2014/main" id="{7246642F-DFAB-A85C-BB14-82A04BC99A6B}"/>
+              </a:ext>
+            </a:extLst>
+          </p:cNvPr>
+          <p:cNvGrpSpPr/>
+          <p:nvPr/>
+        </p:nvGrpSpPr>
+        <p:grpSpPr>
+          <a:xfrm>
+            <a:off x="7289221" y="6489695"/>
+            <a:ext cx="787396" cy="276999"/>
+            <a:chOff x="4421106" y="6489695"/>
+            <a:chExt cx="787396" cy="276999"/>
+          </a:xfrm>
+        </p:grpSpPr>
+        <p:sp>
+          <p:nvSpPr>
+            <p:cNvPr id="73" name="TextBox 72">
+              <a:extLst>
+                <a:ext uri="{FF2B5EF4-FFF2-40B4-BE49-F238E27FC236}">
+                  <a16:creationId xmlns:a16="http://schemas.microsoft.com/office/drawing/2014/main" id="{68FF4ECD-18D3-62FA-1926-CA2118238934}"/>
+                </a:ext>
+              </a:extLst>
+            </p:cNvPr>
+            <p:cNvSpPr txBox="1"/>
+            <p:nvPr/>
+          </p:nvSpPr>
+          <p:spPr>
+            <a:xfrm>
+              <a:off x="4421106" y="6489695"/>
+              <a:ext cx="787396" cy="276999"/>
+            </a:xfrm>
+            <a:prstGeom prst="rect">
+              <a:avLst/>
+            </a:prstGeom>
+            <a:noFill/>
+          </p:spPr>
+          <p:txBody>
+            <a:bodyPr wrap="none" rtlCol="0">
+              <a:spAutoFit/>
+            </a:bodyPr>
+            <a:lstStyle/>
+            <a:p>
+              <a:pPr algn="ctr"/>
+              <a:r>
+                <a:rPr lang="en-DE" sz="600" dirty="0"/>
+                <a:t>Convolution 2 is</a:t>
+              </a:r>
+            </a:p>
+            <a:p>
+              <a:pPr algn="ctr"/>
+              <a:r>
+                <a:rPr lang="en-GB" sz="600" dirty="0"/>
+                <a:t>E</a:t>
+              </a:r>
+              <a:r>
+                <a:rPr lang="en-DE" sz="600" dirty="0"/>
+                <a:t>xplained by LRP-   </a:t>
+              </a:r>
+            </a:p>
+          </p:txBody>
+        </p:sp>
+        <p:pic>
+          <p:nvPicPr>
+            <p:cNvPr id="74" name="Picture 73">
+              <a:extLst>
+                <a:ext uri="{FF2B5EF4-FFF2-40B4-BE49-F238E27FC236}">
+                  <a16:creationId xmlns:a16="http://schemas.microsoft.com/office/drawing/2014/main" id="{1B7F8140-B447-156D-BAC9-8D3ADB3C9117}"/>
+                </a:ext>
+              </a:extLst>
+            </p:cNvPr>
+            <p:cNvPicPr>
+              <a:picLocks noChangeAspect="1"/>
+            </p:cNvPicPr>
+            <p:nvPr/>
+          </p:nvPicPr>
+          <p:blipFill>
+            <a:blip r:embed="rId11"/>
+            <a:stretch>
+              <a:fillRect/>
+            </a:stretch>
+          </p:blipFill>
+          <p:spPr>
+            <a:xfrm>
+              <a:off x="5052284" y="6646456"/>
+              <a:ext cx="45719" cy="70971"/>
+            </a:xfrm>
+            <a:prstGeom prst="rect">
+              <a:avLst/>
+            </a:prstGeom>
+          </p:spPr>
+        </p:pic>
+      </p:grpSp>
+      <p:grpSp>
+        <p:nvGrpSpPr>
+          <p:cNvPr id="79" name="Group 78">
+            <a:extLst>
+              <a:ext uri="{FF2B5EF4-FFF2-40B4-BE49-F238E27FC236}">
+                <a16:creationId xmlns:a16="http://schemas.microsoft.com/office/drawing/2014/main" id="{FDFDFE8E-8085-AC84-8C6F-C0347DB83068}"/>
+              </a:ext>
+            </a:extLst>
+          </p:cNvPr>
+          <p:cNvGrpSpPr/>
+          <p:nvPr/>
+        </p:nvGrpSpPr>
+        <p:grpSpPr>
+          <a:xfrm>
+            <a:off x="3810607" y="6431245"/>
+            <a:ext cx="1452414" cy="397164"/>
+            <a:chOff x="3704732" y="6431245"/>
+            <a:chExt cx="1452414" cy="397164"/>
+          </a:xfrm>
+        </p:grpSpPr>
+        <p:pic>
+          <p:nvPicPr>
+            <p:cNvPr id="47" name="Picture 46">
+              <a:extLst>
+                <a:ext uri="{FF2B5EF4-FFF2-40B4-BE49-F238E27FC236}">
+                  <a16:creationId xmlns:a16="http://schemas.microsoft.com/office/drawing/2014/main" id="{1F73A5DC-561F-D463-E8A0-DBADF697F59A}"/>
+                </a:ext>
+              </a:extLst>
+            </p:cNvPr>
+            <p:cNvPicPr>
+              <a:picLocks noChangeAspect="1"/>
+            </p:cNvPicPr>
+            <p:nvPr/>
+          </p:nvPicPr>
+          <p:blipFill>
+            <a:blip r:embed="rId12"/>
+            <a:stretch>
+              <a:fillRect/>
+            </a:stretch>
+          </p:blipFill>
+          <p:spPr>
+            <a:xfrm>
+              <a:off x="3704732" y="6431245"/>
+              <a:ext cx="665018" cy="397164"/>
+            </a:xfrm>
+            <a:prstGeom prst="rect">
+              <a:avLst/>
+            </a:prstGeom>
+          </p:spPr>
+        </p:pic>
+        <p:grpSp>
+          <p:nvGrpSpPr>
+            <p:cNvPr id="75" name="Group 74">
+              <a:extLst>
+                <a:ext uri="{FF2B5EF4-FFF2-40B4-BE49-F238E27FC236}">
+                  <a16:creationId xmlns:a16="http://schemas.microsoft.com/office/drawing/2014/main" id="{A7932D33-3B32-B382-2E53-94D3E0B0F63B}"/>
+                </a:ext>
+              </a:extLst>
+            </p:cNvPr>
+            <p:cNvGrpSpPr/>
+            <p:nvPr/>
+          </p:nvGrpSpPr>
+          <p:grpSpPr>
+            <a:xfrm>
+              <a:off x="4369750" y="6470964"/>
+              <a:ext cx="787396" cy="276999"/>
+              <a:chOff x="4421106" y="6489695"/>
+              <a:chExt cx="787396" cy="276999"/>
+            </a:xfrm>
+          </p:grpSpPr>
+          <p:sp>
+            <p:nvSpPr>
+              <p:cNvPr id="76" name="TextBox 75">
+                <a:extLst>
+                  <a:ext uri="{FF2B5EF4-FFF2-40B4-BE49-F238E27FC236}">
+                    <a16:creationId xmlns:a16="http://schemas.microsoft.com/office/drawing/2014/main" id="{CB5ECF0E-47B9-B78F-091B-7A14C131F7F1}"/>
+                  </a:ext>
+                </a:extLst>
+              </p:cNvPr>
+              <p:cNvSpPr txBox="1"/>
+              <p:nvPr/>
+            </p:nvSpPr>
+            <p:spPr>
+              <a:xfrm>
+                <a:off x="4421106" y="6489695"/>
+                <a:ext cx="787396" cy="276999"/>
+              </a:xfrm>
+              <a:prstGeom prst="rect">
+                <a:avLst/>
+              </a:prstGeom>
+              <a:noFill/>
+            </p:spPr>
+            <p:txBody>
+              <a:bodyPr wrap="none" rtlCol="0">
+                <a:spAutoFit/>
+              </a:bodyPr>
+              <a:lstStyle/>
+              <a:p>
+                <a:pPr algn="ctr"/>
+                <a:r>
+                  <a:rPr lang="en-DE" sz="600" dirty="0"/>
+                  <a:t>Convolution 1 is</a:t>
+                </a:r>
+              </a:p>
+              <a:p>
+                <a:pPr algn="ctr"/>
+                <a:r>
+                  <a:rPr lang="en-GB" sz="600" dirty="0"/>
+                  <a:t>E</a:t>
+                </a:r>
+                <a:r>
+                  <a:rPr lang="en-DE" sz="600" dirty="0"/>
+                  <a:t>xplained by LRP-   </a:t>
+                </a:r>
+              </a:p>
+            </p:txBody>
+          </p:sp>
+          <p:pic>
+            <p:nvPicPr>
+              <p:cNvPr id="77" name="Picture 76">
+                <a:extLst>
+                  <a:ext uri="{FF2B5EF4-FFF2-40B4-BE49-F238E27FC236}">
+                    <a16:creationId xmlns:a16="http://schemas.microsoft.com/office/drawing/2014/main" id="{2F7A903B-34A5-4008-92D4-A3626EC62872}"/>
+                  </a:ext>
+                </a:extLst>
+              </p:cNvPr>
+              <p:cNvPicPr>
+                <a:picLocks noChangeAspect="1"/>
+              </p:cNvPicPr>
+              <p:nvPr/>
+            </p:nvPicPr>
+            <p:blipFill>
+              <a:blip r:embed="rId11"/>
+              <a:stretch>
+                <a:fillRect/>
+              </a:stretch>
+            </p:blipFill>
+            <p:spPr>
+              <a:xfrm>
+                <a:off x="5052284" y="6646456"/>
+                <a:ext cx="45719" cy="70971"/>
+              </a:xfrm>
+              <a:prstGeom prst="rect">
+                <a:avLst/>
+              </a:prstGeom>
+            </p:spPr>
+          </p:pic>
+        </p:grpSp>
+      </p:grpSp>
+      <p:sp>
+        <p:nvSpPr>
+          <p:cNvPr id="4" name="TextBox 3">
+            <a:extLst>
+              <a:ext uri="{FF2B5EF4-FFF2-40B4-BE49-F238E27FC236}">
+                <a16:creationId xmlns:a16="http://schemas.microsoft.com/office/drawing/2014/main" id="{4173EC26-D786-7B25-1D27-0B47409E5258}"/>
+              </a:ext>
+            </a:extLst>
+          </p:cNvPr>
+          <p:cNvSpPr txBox="1"/>
+          <p:nvPr/>
+        </p:nvSpPr>
+        <p:spPr>
+          <a:xfrm>
+            <a:off x="1423555" y="4364182"/>
+            <a:ext cx="3458511" cy="769441"/>
+          </a:xfrm>
+          <a:prstGeom prst="rect">
+            <a:avLst/>
+          </a:prstGeom>
+          <a:noFill/>
+        </p:spPr>
+        <p:txBody>
+          <a:bodyPr wrap="none" rtlCol="0">
+            <a:spAutoFit/>
+          </a:bodyPr>
+          <a:lstStyle/>
+          <a:p>
+            <a:r>
+              <a:rPr lang="en-DE" sz="4400" dirty="0"/>
+              <a:t>Better spacing</a:t>
+            </a:r>
+          </a:p>
+        </p:txBody>
+      </p:sp>
+    </p:spTree>
+    <p:extLst>
+      <p:ext uri="{BB962C8B-B14F-4D97-AF65-F5344CB8AC3E}">
+        <p14:creationId xmlns:p14="http://schemas.microsoft.com/office/powerpoint/2010/main" val="3337169597"/>
+      </p:ext>
+    </p:extLst>
+  </p:cSld>
+  <p:clrMapOvr>
+    <a:masterClrMapping/>
+  </p:clrMapOvr>
+</p:sld>
+</file>
+
+<file path=ppt/slides/slide3.xml><?xml version="1.0" encoding="utf-8"?>
 <p:sld xmlns:a="http://schemas.openxmlformats.org/drawingml/2006/main" xmlns:r="http://schemas.openxmlformats.org/officeDocument/2006/relationships" xmlns:p="http://schemas.openxmlformats.org/presentationml/2006/main">
   <p:cSld>
     <p:spTree>
